--- a/OnlineTeach/docs/在线教学.pptx
+++ b/OnlineTeach/docs/在线教学.pptx
@@ -142,6 +142,11 @@
       </a:defRPr>
     </a:lvl9pPr>
   </p:defaultTextStyle>
+  <p:extLst>
+    <p:ext uri="{EFAFB233-063F-42B5-8137-9DF3F51BA10A}">
+      <p15:sldGuideLst xmlns:p15="http://schemas.microsoft.com/office/powerpoint/2012/main"/>
+    </p:ext>
+  </p:extLst>
 </p:presentation>
 </file>
 
@@ -18707,7 +18712,7 @@
         </p:nvSpPr>
         <p:spPr>
           <a:xfrm>
-            <a:off x="822325" y="2370138"/>
+            <a:off x="822325" y="1938338"/>
             <a:ext cx="7543800" cy="2889250"/>
           </a:xfrm>
         </p:spPr>
@@ -18721,7 +18726,7 @@
               <a:defRPr/>
             </a:pPr>
             <a:r>
-              <a:rPr lang="en-US" altLang="zh-CN" dirty="0" smtClean="0">
+              <a:rPr lang="en-US" altLang="zh-CN" sz="2400" dirty="0" smtClean="0">
                 <a:solidFill>
                   <a:schemeClr val="tx1">
                     <a:lumMod val="75000"/>
@@ -18733,7 +18738,7 @@
               <a:t>    21</a:t>
             </a:r>
             <a:r>
-              <a:rPr lang="zh-CN" altLang="en-US" dirty="0" smtClean="0">
+              <a:rPr lang="zh-CN" altLang="en-US" sz="2400" dirty="0" smtClean="0">
                 <a:solidFill>
                   <a:schemeClr val="tx1">
                     <a:lumMod val="75000"/>
@@ -18742,9 +18747,33 @@
                 </a:solidFill>
                 <a:latin typeface="+mn-ea"/>
               </a:rPr>
-              <a:t>世纪网络科技时代，随着计算机的普及和应用，电脑已经悄悄地走入了我们的生活，慢慢地改变这我们的生活方式，自从计算机发明以来，它就以独特的优势诠释着自身的价值，为人类带来越来越多的便利。随着网络激素的飞速发展，现在很多国外的大学和社会其他部门都已经开设了网上教学系统，通过计算机网络实现异地教学。现在，计算机硬件技术的发展已经达到了相当高的水平。在网络技术逐渐渗入社会生活各个层面的今天，传统的教学方式也面临着改变，而网络教学则是一个很重要的方向。</a:t>
+              <a:t>世纪网络科技时代，随着计算机的普及和应用，电脑已经悄悄地走入了我们的生活，慢慢地改变这我们的生活方式</a:t>
             </a:r>
-            <a:endParaRPr lang="zh-CN" altLang="en-US" dirty="0">
+            <a:r>
+              <a:rPr lang="zh-CN" altLang="en-US" sz="2400" dirty="0" smtClean="0">
+                <a:solidFill>
+                  <a:schemeClr val="tx1">
+                    <a:lumMod val="75000"/>
+                    <a:lumOff val="25000"/>
+                  </a:schemeClr>
+                </a:solidFill>
+                <a:latin typeface="+mn-ea"/>
+              </a:rPr>
+              <a:t>，现在</a:t>
+            </a:r>
+            <a:r>
+              <a:rPr lang="zh-CN" altLang="en-US" sz="2400" dirty="0" smtClean="0">
+                <a:solidFill>
+                  <a:schemeClr val="tx1">
+                    <a:lumMod val="75000"/>
+                    <a:lumOff val="25000"/>
+                  </a:schemeClr>
+                </a:solidFill>
+                <a:latin typeface="+mn-ea"/>
+              </a:rPr>
+              <a:t>很多国外的大学和社会其他部门都已经开设了网上教学系统，通过计算机网络实现异地教学。现在，计算机硬件技术的发展已经达到了相当高的水平。在网络技术逐渐渗入社会生活各个层面的今天，传统的教学方式也面临着改变，而网络教学则是一个很重要的方向。</a:t>
+            </a:r>
+            <a:endParaRPr lang="zh-CN" altLang="en-US" sz="2400" dirty="0">
               <a:solidFill>
                 <a:schemeClr val="tx1">
                   <a:lumMod val="75000"/>
@@ -21365,38 +21394,38 @@
               <a:buNone/>
             </a:pPr>
             <a:r>
-              <a:rPr lang="en-US" altLang="zh-CN" sz="1800" smtClean="0"/>
+              <a:rPr lang="en-US" altLang="zh-CN" sz="1800" dirty="0" smtClean="0"/>
               <a:t>	</a:t>
             </a:r>
             <a:r>
-              <a:rPr lang="zh-CN" altLang="en-US" sz="1800" smtClean="0"/>
+              <a:rPr lang="zh-CN" altLang="en-US" sz="1800" dirty="0" smtClean="0"/>
               <a:t>经过这一次的项目开发，使我们更加熟悉</a:t>
             </a:r>
             <a:r>
-              <a:rPr lang="en-US" altLang="zh-CN" sz="1800" smtClean="0"/>
+              <a:rPr lang="en-US" altLang="zh-CN" sz="1800" dirty="0" smtClean="0"/>
               <a:t>JAVA EE</a:t>
             </a:r>
             <a:r>
-              <a:rPr lang="zh-CN" altLang="en-US" sz="1800" smtClean="0"/>
+              <a:rPr lang="zh-CN" altLang="en-US" sz="1800" dirty="0" smtClean="0"/>
               <a:t>的开发流程，我们从自己设计数据库、设计页面、写算法，到后面的反复调试、测试，到最后的系统雏形出现。因为我们的项目是托管在</a:t>
             </a:r>
             <a:r>
-              <a:rPr lang="en-US" altLang="zh-CN" sz="1800" smtClean="0"/>
+              <a:rPr lang="en-US" altLang="zh-CN" sz="1800" dirty="0" err="1" smtClean="0"/>
               <a:t>Github</a:t>
             </a:r>
             <a:r>
-              <a:rPr lang="zh-CN" altLang="en-US" sz="1800" smtClean="0"/>
+              <a:rPr lang="zh-CN" altLang="en-US" sz="1800" dirty="0" smtClean="0"/>
               <a:t>社区上，每个组员都在修改同一个项目，此时若组员之间不做好协商，肯定会出现很多冲突，而某些大功能也不是靠一个人的力量就能够完成的，所以也使我们懂得了团队合作的重要性。虽然在项目开发期间也出现了很多的问题，有很多都是自己不能解决的，但我很感谢有</a:t>
             </a:r>
             <a:r>
-              <a:rPr lang="en-US" altLang="zh-CN" sz="1800" smtClean="0"/>
+              <a:rPr lang="en-US" altLang="zh-CN" sz="1800" dirty="0" smtClean="0"/>
               <a:t>Google</a:t>
             </a:r>
             <a:r>
-              <a:rPr lang="zh-CN" altLang="en-US" sz="1800" smtClean="0"/>
+              <a:rPr lang="zh-CN" altLang="en-US" sz="1800" dirty="0" smtClean="0"/>
               <a:t>，解决了我们所有的问题。</a:t>
             </a:r>
-            <a:endParaRPr lang="en-US" altLang="zh-CN" sz="1800" smtClean="0"/>
+            <a:endParaRPr lang="en-US" altLang="zh-CN" sz="1800" dirty="0" smtClean="0"/>
           </a:p>
           <a:p>
             <a:pPr marL="382588" lvl="2" indent="0">
@@ -21404,27 +21433,27 @@
               <a:buNone/>
             </a:pPr>
             <a:r>
-              <a:rPr lang="en-US" altLang="zh-CN" sz="1800" smtClean="0"/>
+              <a:rPr lang="en-US" altLang="zh-CN" sz="1800" dirty="0" smtClean="0"/>
               <a:t>	</a:t>
             </a:r>
             <a:r>
-              <a:rPr lang="zh-CN" altLang="en-US" sz="1800" smtClean="0"/>
+              <a:rPr lang="zh-CN" altLang="en-US" sz="1800" dirty="0" smtClean="0"/>
               <a:t>我觉得遇见问题时，问别人应该是最后一步，而前面的很多步就是去</a:t>
             </a:r>
             <a:r>
-              <a:rPr lang="en-US" altLang="zh-CN" sz="1800" smtClean="0"/>
+              <a:rPr lang="en-US" altLang="zh-CN" sz="1800" dirty="0" smtClean="0"/>
               <a:t>Google</a:t>
             </a:r>
             <a:r>
-              <a:rPr lang="zh-CN" altLang="en-US" sz="1800" smtClean="0"/>
+              <a:rPr lang="zh-CN" altLang="en-US" sz="1800" dirty="0" smtClean="0"/>
               <a:t>。帮助别人解决问题是很好，但我觉得你在帮他解决这个问题之前应该先问他：“</a:t>
             </a:r>
             <a:r>
-              <a:rPr lang="en-US" altLang="zh-CN" sz="1800" smtClean="0"/>
+              <a:rPr lang="en-US" altLang="zh-CN" sz="1800" dirty="0" smtClean="0"/>
               <a:t>Are you googled?</a:t>
             </a:r>
             <a:r>
-              <a:rPr lang="zh-CN" altLang="en-US" sz="1800" smtClean="0"/>
+              <a:rPr lang="zh-CN" altLang="en-US" sz="1800" dirty="0" smtClean="0"/>
               <a:t>”。</a:t>
             </a:r>
           </a:p>
